--- a/doc/BI-4.0.pptx
+++ b/doc/BI-4.0.pptx
@@ -196,7 +196,7 @@
           <a:p>
             <a:fld id="{B86859C3-2692-784F-AC34-40A9E7B69405}" type="datetimeFigureOut">
               <a:rPr kumimoji="1" lang="zh-CN" altLang="en-US" smtClean="0"/>
-              <a:t>17/2/20</a:t>
+              <a:t>17/2/22</a:t>
             </a:fld>
             <a:endParaRPr kumimoji="1" lang="zh-CN" altLang="en-US"/>
           </a:p>
@@ -757,7 +757,7 @@
           <a:p>
             <a:fld id="{D7B12BEA-236C-5749-AF49-060B228B08C5}" type="datetimeFigureOut">
               <a:rPr kumimoji="1" lang="zh-CN" altLang="en-US" smtClean="0"/>
-              <a:t>17/2/20</a:t>
+              <a:t>17/2/22</a:t>
             </a:fld>
             <a:endParaRPr kumimoji="1" lang="zh-CN" altLang="en-US"/>
           </a:p>
@@ -927,7 +927,7 @@
           <a:p>
             <a:fld id="{D7B12BEA-236C-5749-AF49-060B228B08C5}" type="datetimeFigureOut">
               <a:rPr kumimoji="1" lang="zh-CN" altLang="en-US" smtClean="0"/>
-              <a:t>17/2/20</a:t>
+              <a:t>17/2/22</a:t>
             </a:fld>
             <a:endParaRPr kumimoji="1" lang="zh-CN" altLang="en-US"/>
           </a:p>
@@ -1107,7 +1107,7 @@
           <a:p>
             <a:fld id="{D7B12BEA-236C-5749-AF49-060B228B08C5}" type="datetimeFigureOut">
               <a:rPr kumimoji="1" lang="zh-CN" altLang="en-US" smtClean="0"/>
-              <a:t>17/2/20</a:t>
+              <a:t>17/2/22</a:t>
             </a:fld>
             <a:endParaRPr kumimoji="1" lang="zh-CN" altLang="en-US"/>
           </a:p>
@@ -1277,7 +1277,7 @@
           <a:p>
             <a:fld id="{D7B12BEA-236C-5749-AF49-060B228B08C5}" type="datetimeFigureOut">
               <a:rPr kumimoji="1" lang="zh-CN" altLang="en-US" smtClean="0"/>
-              <a:t>17/2/20</a:t>
+              <a:t>17/2/22</a:t>
             </a:fld>
             <a:endParaRPr kumimoji="1" lang="zh-CN" altLang="en-US"/>
           </a:p>
@@ -1523,7 +1523,7 @@
           <a:p>
             <a:fld id="{D7B12BEA-236C-5749-AF49-060B228B08C5}" type="datetimeFigureOut">
               <a:rPr kumimoji="1" lang="zh-CN" altLang="en-US" smtClean="0"/>
-              <a:t>17/2/20</a:t>
+              <a:t>17/2/22</a:t>
             </a:fld>
             <a:endParaRPr kumimoji="1" lang="zh-CN" altLang="en-US"/>
           </a:p>
@@ -1811,7 +1811,7 @@
           <a:p>
             <a:fld id="{D7B12BEA-236C-5749-AF49-060B228B08C5}" type="datetimeFigureOut">
               <a:rPr kumimoji="1" lang="zh-CN" altLang="en-US" smtClean="0"/>
-              <a:t>17/2/20</a:t>
+              <a:t>17/2/22</a:t>
             </a:fld>
             <a:endParaRPr kumimoji="1" lang="zh-CN" altLang="en-US"/>
           </a:p>
@@ -2233,7 +2233,7 @@
           <a:p>
             <a:fld id="{D7B12BEA-236C-5749-AF49-060B228B08C5}" type="datetimeFigureOut">
               <a:rPr kumimoji="1" lang="zh-CN" altLang="en-US" smtClean="0"/>
-              <a:t>17/2/20</a:t>
+              <a:t>17/2/22</a:t>
             </a:fld>
             <a:endParaRPr kumimoji="1" lang="zh-CN" altLang="en-US"/>
           </a:p>
@@ -2351,7 +2351,7 @@
           <a:p>
             <a:fld id="{D7B12BEA-236C-5749-AF49-060B228B08C5}" type="datetimeFigureOut">
               <a:rPr kumimoji="1" lang="zh-CN" altLang="en-US" smtClean="0"/>
-              <a:t>17/2/20</a:t>
+              <a:t>17/2/22</a:t>
             </a:fld>
             <a:endParaRPr kumimoji="1" lang="zh-CN" altLang="en-US"/>
           </a:p>
@@ -2446,7 +2446,7 @@
           <a:p>
             <a:fld id="{D7B12BEA-236C-5749-AF49-060B228B08C5}" type="datetimeFigureOut">
               <a:rPr kumimoji="1" lang="zh-CN" altLang="en-US" smtClean="0"/>
-              <a:t>17/2/20</a:t>
+              <a:t>17/2/22</a:t>
             </a:fld>
             <a:endParaRPr kumimoji="1" lang="zh-CN" altLang="en-US"/>
           </a:p>
@@ -2723,7 +2723,7 @@
           <a:p>
             <a:fld id="{D7B12BEA-236C-5749-AF49-060B228B08C5}" type="datetimeFigureOut">
               <a:rPr kumimoji="1" lang="zh-CN" altLang="en-US" smtClean="0"/>
-              <a:t>17/2/20</a:t>
+              <a:t>17/2/22</a:t>
             </a:fld>
             <a:endParaRPr kumimoji="1" lang="zh-CN" altLang="en-US"/>
           </a:p>
@@ -2976,7 +2976,7 @@
           <a:p>
             <a:fld id="{D7B12BEA-236C-5749-AF49-060B228B08C5}" type="datetimeFigureOut">
               <a:rPr kumimoji="1" lang="zh-CN" altLang="en-US" smtClean="0"/>
-              <a:t>17/2/20</a:t>
+              <a:t>17/2/22</a:t>
             </a:fld>
             <a:endParaRPr kumimoji="1" lang="zh-CN" altLang="en-US"/>
           </a:p>
@@ -3189,7 +3189,7 @@
           <a:p>
             <a:fld id="{D7B12BEA-236C-5749-AF49-060B228B08C5}" type="datetimeFigureOut">
               <a:rPr kumimoji="1" lang="zh-CN" altLang="en-US" smtClean="0"/>
-              <a:t>17/2/20</a:t>
+              <a:t>17/2/22</a:t>
             </a:fld>
             <a:endParaRPr kumimoji="1" lang="zh-CN" altLang="en-US"/>
           </a:p>
@@ -3653,11 +3653,7 @@
           <a:p>
             <a:r>
               <a:rPr kumimoji="1" lang="en-US" altLang="zh-CN" dirty="0" smtClean="0"/>
-              <a:t>BI-</a:t>
-            </a:r>
-            <a:r>
-              <a:rPr kumimoji="1" lang="en-US" altLang="zh-CN" dirty="0" smtClean="0"/>
-              <a:t>4.0</a:t>
+              <a:t>BI-4.0</a:t>
             </a:r>
             <a:r>
               <a:rPr kumimoji="1" lang="zh-CN" altLang="en-US" dirty="0" smtClean="0"/>
@@ -3758,11 +3754,7 @@
             </a:r>
             <a:r>
               <a:rPr kumimoji="1" lang="en-US" altLang="zh-CN" sz="2400" dirty="0" smtClean="0"/>
-              <a:t>bi4</a:t>
-            </a:r>
-            <a:r>
-              <a:rPr kumimoji="1" lang="en-US" altLang="zh-CN" sz="2400" dirty="0" smtClean="0"/>
-              <a:t>.0</a:t>
+              <a:t>bi4.0</a:t>
             </a:r>
             <a:r>
               <a:rPr kumimoji="1" lang="zh-CN" altLang="en-US" sz="2400" dirty="0" smtClean="0"/>
@@ -3803,15 +3795,7 @@
             </a:r>
             <a:r>
               <a:rPr kumimoji="1" lang="zh-CN" altLang="en-US" sz="2400" dirty="0" smtClean="0"/>
-              <a:t>上线</a:t>
-            </a:r>
-            <a:r>
-              <a:rPr kumimoji="1" lang="zh-CN" altLang="en-US" sz="2400" dirty="0" smtClean="0"/>
-              <a:t>、安全控制等</a:t>
-            </a:r>
-            <a:r>
-              <a:rPr kumimoji="1" lang="zh-CN" altLang="en-US" sz="2400" dirty="0" smtClean="0"/>
-              <a:t>流程</a:t>
+              <a:t>上线、安全控制等流程</a:t>
             </a:r>
             <a:endParaRPr kumimoji="1" lang="en-US" altLang="zh-CN" sz="2400" dirty="0" smtClean="0"/>
           </a:p>
@@ -3825,11 +3809,7 @@
             </a:r>
             <a:r>
               <a:rPr kumimoji="1" lang="zh-CN" altLang="en-US" sz="2400" dirty="0" smtClean="0"/>
-              <a:t>、</a:t>
-            </a:r>
-            <a:r>
-              <a:rPr kumimoji="1" lang="zh-CN" altLang="en-US" sz="2400" dirty="0" smtClean="0"/>
-              <a:t>新同学有机会观摩</a:t>
+              <a:t>、新同学有机会观摩</a:t>
             </a:r>
             <a:r>
               <a:rPr kumimoji="1" lang="en-US" altLang="zh-CN" sz="2400" dirty="0"/>
@@ -3929,19 +3909,11 @@
           <a:p>
             <a:r>
               <a:rPr kumimoji="1" lang="en-US" altLang="zh-CN" dirty="0" smtClean="0"/>
-              <a:t>BI-</a:t>
-            </a:r>
-            <a:r>
-              <a:rPr kumimoji="1" lang="en-US" altLang="zh-CN" dirty="0" smtClean="0"/>
-              <a:t>4.0</a:t>
+              <a:t>BI-4.0</a:t>
             </a:r>
             <a:r>
               <a:rPr kumimoji="1" lang="zh-CN" altLang="en-US" dirty="0" smtClean="0"/>
-              <a:t>初始化</a:t>
-            </a:r>
-            <a:r>
-              <a:rPr kumimoji="1" lang="zh-CN" altLang="en-US" dirty="0" smtClean="0"/>
-              <a:t>步骤</a:t>
+              <a:t>初始化步骤</a:t>
             </a:r>
             <a:endParaRPr kumimoji="1" lang="zh-CN" altLang="en-US" dirty="0"/>
           </a:p>
@@ -4078,11 +4050,7 @@
             </a:r>
             <a:r>
               <a:rPr kumimoji="1" lang="zh-CN" altLang="en-US" sz="2000" dirty="0" smtClean="0"/>
-              <a:t>，</a:t>
-            </a:r>
-            <a:r>
-              <a:rPr kumimoji="1" lang="zh-CN" altLang="en-US" sz="2000" dirty="0" smtClean="0"/>
-              <a:t>严格按照组织架构里的岗位来重新创建角色</a:t>
+              <a:t>，严格按照组织架构里的岗位来重新创建角色</a:t>
             </a:r>
             <a:endParaRPr kumimoji="1" lang="en-US" altLang="zh-CN" sz="2000" dirty="0" smtClean="0"/>
           </a:p>
@@ -4116,7 +4084,6 @@
               <a:rPr kumimoji="1" lang="zh-CN" altLang="en-US" sz="2000" dirty="0"/>
               <a:t>门户改版， 加全文检索功能 </a:t>
             </a:r>
-            <a:endParaRPr kumimoji="1" lang="zh-CN" altLang="en-US" sz="2000" dirty="0"/>
           </a:p>
         </p:txBody>
       </p:sp>
@@ -4240,11 +4207,7 @@
             </a:r>
             <a:r>
               <a:rPr kumimoji="1" lang="zh-CN" altLang="en-US" sz="2400" dirty="0" smtClean="0"/>
-              <a:t>，</a:t>
-            </a:r>
-            <a:r>
-              <a:rPr kumimoji="1" lang="zh-CN" altLang="en-US" sz="2400" dirty="0" smtClean="0"/>
-              <a:t>完成开发及测试</a:t>
+              <a:t>，完成开发及测试</a:t>
             </a:r>
             <a:endParaRPr kumimoji="1" lang="en-US" altLang="zh-CN" sz="2400" dirty="0" smtClean="0"/>
           </a:p>
@@ -4406,11 +4369,7 @@
           <a:p>
             <a:r>
               <a:rPr kumimoji="1" lang="en-US" altLang="zh-CN" sz="2400" dirty="0" smtClean="0"/>
-              <a:t>B</a:t>
-            </a:r>
-            <a:r>
-              <a:rPr kumimoji="1" lang="en-US" altLang="zh-CN" sz="2400" dirty="0" smtClean="0"/>
-              <a:t>I</a:t>
+              <a:t>BI</a:t>
             </a:r>
             <a:r>
               <a:rPr kumimoji="1" lang="zh-CN" altLang="en-US" sz="2400" dirty="0" smtClean="0"/>
@@ -4422,11 +4381,7 @@
             </a:r>
             <a:r>
               <a:rPr kumimoji="1" lang="zh-CN" altLang="en-US" sz="2400" dirty="0" smtClean="0"/>
-              <a:t>级</a:t>
-            </a:r>
-            <a:r>
-              <a:rPr kumimoji="1" lang="zh-CN" altLang="en-US" sz="2400" dirty="0" smtClean="0"/>
-              <a:t>调高到最高</a:t>
+              <a:t>级调高到最高</a:t>
             </a:r>
             <a:r>
               <a:rPr kumimoji="1" lang="en-US" altLang="zh-CN" sz="2400" dirty="0" smtClean="0"/>

--- a/doc/BI-4.0.pptx
+++ b/doc/BI-4.0.pptx
@@ -5,7 +5,7 @@
     <p:sldMasterId id="2147483648" r:id="rId1"/>
   </p:sldMasterIdLst>
   <p:notesMasterIdLst>
-    <p:notesMasterId r:id="rId7"/>
+    <p:notesMasterId r:id="rId8"/>
   </p:notesMasterIdLst>
   <p:sldIdLst>
     <p:sldId id="256" r:id="rId2"/>
@@ -13,6 +13,7 @@
     <p:sldId id="261" r:id="rId4"/>
     <p:sldId id="262" r:id="rId5"/>
     <p:sldId id="260" r:id="rId6"/>
+    <p:sldId id="263" r:id="rId7"/>
   </p:sldIdLst>
   <p:sldSz cx="9144000" cy="6858000" type="screen4x3"/>
   <p:notesSz cx="6858000" cy="9144000"/>
@@ -196,7 +197,7 @@
           <a:p>
             <a:fld id="{B86859C3-2692-784F-AC34-40A9E7B69405}" type="datetimeFigureOut">
               <a:rPr kumimoji="1" lang="zh-CN" altLang="en-US" smtClean="0"/>
-              <a:t>17/2/22</a:t>
+              <a:t>17/2/27</a:t>
             </a:fld>
             <a:endParaRPr kumimoji="1" lang="zh-CN" altLang="en-US"/>
           </a:p>
@@ -576,6 +577,238 @@
 </p:notes>
 </file>
 
+<file path=ppt/notesSlides/notesSlide2.xml><?xml version="1.0" encoding="utf-8"?>
+<p:notes xmlns:a="http://schemas.openxmlformats.org/drawingml/2006/main" xmlns:r="http://schemas.openxmlformats.org/officeDocument/2006/relationships" xmlns:p="http://schemas.openxmlformats.org/presentationml/2006/main">
+  <p:cSld>
+    <p:spTree>
+      <p:nvGrpSpPr>
+        <p:cNvPr id="1" name=""/>
+        <p:cNvGrpSpPr/>
+        <p:nvPr/>
+      </p:nvGrpSpPr>
+      <p:grpSpPr>
+        <a:xfrm>
+          <a:off x="0" y="0"/>
+          <a:ext cx="0" cy="0"/>
+          <a:chOff x="0" y="0"/>
+          <a:chExt cx="0" cy="0"/>
+        </a:xfrm>
+      </p:grpSpPr>
+      <p:sp>
+        <p:nvSpPr>
+          <p:cNvPr id="2" name="幻灯片图像占位符 1"/>
+          <p:cNvSpPr>
+            <a:spLocks noGrp="1" noRot="1" noChangeAspect="1"/>
+          </p:cNvSpPr>
+          <p:nvPr>
+            <p:ph type="sldImg"/>
+          </p:nvPr>
+        </p:nvSpPr>
+        <p:spPr/>
+      </p:sp>
+      <p:sp>
+        <p:nvSpPr>
+          <p:cNvPr id="3" name="备注占位符 2"/>
+          <p:cNvSpPr>
+            <a:spLocks noGrp="1"/>
+          </p:cNvSpPr>
+          <p:nvPr>
+            <p:ph type="body" idx="1"/>
+          </p:nvPr>
+        </p:nvSpPr>
+        <p:spPr/>
+        <p:txBody>
+          <a:bodyPr/>
+          <a:lstStyle/>
+          <a:p>
+            <a:r>
+              <a:rPr kumimoji="1" lang="zh-CN" altLang="en-US" dirty="0" smtClean="0"/>
+              <a:t>发布接口：</a:t>
+            </a:r>
+            <a:r>
+              <a:rPr kumimoji="1" lang="en-US" altLang="zh-CN" dirty="0" smtClean="0"/>
+              <a:t>report</a:t>
+            </a:r>
+          </a:p>
+          <a:p>
+            <a:r>
+              <a:rPr kumimoji="1" lang="zh-CN" altLang="en-US" dirty="0" smtClean="0"/>
+              <a:t>接收数据：</a:t>
+            </a:r>
+            <a:r>
+              <a:rPr kumimoji="1" lang="en-US" altLang="zh-CN" dirty="0" smtClean="0"/>
+              <a:t>record</a:t>
+            </a:r>
+            <a:r>
+              <a:rPr kumimoji="1" lang="zh-CN" altLang="en-US" dirty="0" smtClean="0"/>
+              <a:t>写接口，批量、单个</a:t>
+            </a:r>
+            <a:endParaRPr kumimoji="1" lang="zh-CN" altLang="en-US" dirty="0"/>
+          </a:p>
+        </p:txBody>
+      </p:sp>
+      <p:sp>
+        <p:nvSpPr>
+          <p:cNvPr id="4" name="幻灯片编号占位符 3"/>
+          <p:cNvSpPr>
+            <a:spLocks noGrp="1"/>
+          </p:cNvSpPr>
+          <p:nvPr>
+            <p:ph type="sldNum" sz="quarter" idx="10"/>
+          </p:nvPr>
+        </p:nvSpPr>
+        <p:spPr/>
+        <p:txBody>
+          <a:bodyPr/>
+          <a:lstStyle/>
+          <a:p>
+            <a:fld id="{30E5BD0C-2667-BA41-90C5-58CB9DE5FD83}" type="slidenum">
+              <a:rPr kumimoji="1" lang="zh-CN" altLang="en-US" smtClean="0"/>
+              <a:t>4</a:t>
+            </a:fld>
+            <a:endParaRPr kumimoji="1" lang="zh-CN" altLang="en-US"/>
+          </a:p>
+        </p:txBody>
+      </p:sp>
+    </p:spTree>
+    <p:extLst>
+      <p:ext uri="{BB962C8B-B14F-4D97-AF65-F5344CB8AC3E}">
+        <p14:creationId xmlns:p14="http://schemas.microsoft.com/office/powerpoint/2010/main" val="3397401023"/>
+      </p:ext>
+    </p:extLst>
+  </p:cSld>
+  <p:clrMapOvr>
+    <a:masterClrMapping/>
+  </p:clrMapOvr>
+</p:notes>
+</file>
+
+<file path=ppt/notesSlides/notesSlide3.xml><?xml version="1.0" encoding="utf-8"?>
+<p:notes xmlns:a="http://schemas.openxmlformats.org/drawingml/2006/main" xmlns:r="http://schemas.openxmlformats.org/officeDocument/2006/relationships" xmlns:p="http://schemas.openxmlformats.org/presentationml/2006/main">
+  <p:cSld>
+    <p:spTree>
+      <p:nvGrpSpPr>
+        <p:cNvPr id="1" name=""/>
+        <p:cNvGrpSpPr/>
+        <p:nvPr/>
+      </p:nvGrpSpPr>
+      <p:grpSpPr>
+        <a:xfrm>
+          <a:off x="0" y="0"/>
+          <a:ext cx="0" cy="0"/>
+          <a:chOff x="0" y="0"/>
+          <a:chExt cx="0" cy="0"/>
+        </a:xfrm>
+      </p:grpSpPr>
+      <p:sp>
+        <p:nvSpPr>
+          <p:cNvPr id="2" name="幻灯片图像占位符 1"/>
+          <p:cNvSpPr>
+            <a:spLocks noGrp="1" noRot="1" noChangeAspect="1"/>
+          </p:cNvSpPr>
+          <p:nvPr>
+            <p:ph type="sldImg"/>
+          </p:nvPr>
+        </p:nvSpPr>
+        <p:spPr/>
+      </p:sp>
+      <p:sp>
+        <p:nvSpPr>
+          <p:cNvPr id="3" name="备注占位符 2"/>
+          <p:cNvSpPr>
+            <a:spLocks noGrp="1"/>
+          </p:cNvSpPr>
+          <p:nvPr>
+            <p:ph type="body" idx="1"/>
+          </p:nvPr>
+        </p:nvSpPr>
+        <p:spPr/>
+        <p:txBody>
+          <a:bodyPr/>
+          <a:lstStyle/>
+          <a:p>
+            <a:r>
+              <a:rPr kumimoji="1" lang="zh-CN" altLang="en-US" dirty="0" smtClean="0"/>
+              <a:t>前端：</a:t>
+            </a:r>
+            <a:r>
+              <a:rPr kumimoji="1" lang="en-US" altLang="zh-CN" dirty="0" smtClean="0"/>
+              <a:t>HTML + CSS + JS = </a:t>
+            </a:r>
+            <a:r>
+              <a:rPr kumimoji="1" lang="zh-CN" altLang="en-US" dirty="0" smtClean="0"/>
+              <a:t>内容</a:t>
+            </a:r>
+            <a:r>
+              <a:rPr kumimoji="1" lang="en-US" altLang="zh-CN" dirty="0" smtClean="0"/>
+              <a:t> + </a:t>
+            </a:r>
+            <a:r>
+              <a:rPr kumimoji="1" lang="zh-CN" altLang="en-US" dirty="0" smtClean="0"/>
+              <a:t>样式</a:t>
+            </a:r>
+            <a:r>
+              <a:rPr kumimoji="1" lang="en-US" altLang="zh-CN" dirty="0" smtClean="0"/>
+              <a:t> + </a:t>
+            </a:r>
+            <a:r>
+              <a:rPr kumimoji="1" lang="en-US" altLang="en-US" dirty="0" smtClean="0"/>
+              <a:t>动态</a:t>
+            </a:r>
+          </a:p>
+          <a:p>
+            <a:r>
+              <a:rPr kumimoji="1" lang="zh-CN" altLang="en-US" dirty="0" smtClean="0"/>
+              <a:t>前端例子： 电子运单、签收联、要能自适应（</a:t>
+            </a:r>
+            <a:r>
+              <a:rPr kumimoji="1" lang="en-US" altLang="zh-CN" dirty="0" err="1" smtClean="0"/>
+              <a:t>milestone.html</a:t>
+            </a:r>
+            <a:r>
+              <a:rPr kumimoji="1" lang="zh-CN" altLang="en-US" dirty="0" smtClean="0"/>
+              <a:t>）</a:t>
+            </a:r>
+            <a:endParaRPr kumimoji="1" lang="zh-CN" altLang="en-US" dirty="0"/>
+          </a:p>
+        </p:txBody>
+      </p:sp>
+      <p:sp>
+        <p:nvSpPr>
+          <p:cNvPr id="4" name="幻灯片编号占位符 3"/>
+          <p:cNvSpPr>
+            <a:spLocks noGrp="1"/>
+          </p:cNvSpPr>
+          <p:nvPr>
+            <p:ph type="sldNum" sz="quarter" idx="10"/>
+          </p:nvPr>
+        </p:nvSpPr>
+        <p:spPr/>
+        <p:txBody>
+          <a:bodyPr/>
+          <a:lstStyle/>
+          <a:p>
+            <a:fld id="{30E5BD0C-2667-BA41-90C5-58CB9DE5FD83}" type="slidenum">
+              <a:rPr kumimoji="1" lang="zh-CN" altLang="en-US" smtClean="0"/>
+              <a:t>6</a:t>
+            </a:fld>
+            <a:endParaRPr kumimoji="1" lang="zh-CN" altLang="en-US"/>
+          </a:p>
+        </p:txBody>
+      </p:sp>
+    </p:spTree>
+    <p:extLst>
+      <p:ext uri="{BB962C8B-B14F-4D97-AF65-F5344CB8AC3E}">
+        <p14:creationId xmlns:p14="http://schemas.microsoft.com/office/powerpoint/2010/main" val="912814739"/>
+      </p:ext>
+    </p:extLst>
+  </p:cSld>
+  <p:clrMapOvr>
+    <a:masterClrMapping/>
+  </p:clrMapOvr>
+</p:notes>
+</file>
+
 <file path=ppt/slideLayouts/slideLayout1.xml><?xml version="1.0" encoding="utf-8"?>
 <p:sldLayout xmlns:a="http://schemas.openxmlformats.org/drawingml/2006/main" xmlns:r="http://schemas.openxmlformats.org/officeDocument/2006/relationships" xmlns:p="http://schemas.openxmlformats.org/presentationml/2006/main" type="title" preserve="1">
   <p:cSld name="标题幻灯片">
@@ -757,7 +990,7 @@
           <a:p>
             <a:fld id="{D7B12BEA-236C-5749-AF49-060B228B08C5}" type="datetimeFigureOut">
               <a:rPr kumimoji="1" lang="zh-CN" altLang="en-US" smtClean="0"/>
-              <a:t>17/2/22</a:t>
+              <a:t>17/2/27</a:t>
             </a:fld>
             <a:endParaRPr kumimoji="1" lang="zh-CN" altLang="en-US"/>
           </a:p>
@@ -927,7 +1160,7 @@
           <a:p>
             <a:fld id="{D7B12BEA-236C-5749-AF49-060B228B08C5}" type="datetimeFigureOut">
               <a:rPr kumimoji="1" lang="zh-CN" altLang="en-US" smtClean="0"/>
-              <a:t>17/2/22</a:t>
+              <a:t>17/2/27</a:t>
             </a:fld>
             <a:endParaRPr kumimoji="1" lang="zh-CN" altLang="en-US"/>
           </a:p>
@@ -1107,7 +1340,7 @@
           <a:p>
             <a:fld id="{D7B12BEA-236C-5749-AF49-060B228B08C5}" type="datetimeFigureOut">
               <a:rPr kumimoji="1" lang="zh-CN" altLang="en-US" smtClean="0"/>
-              <a:t>17/2/22</a:t>
+              <a:t>17/2/27</a:t>
             </a:fld>
             <a:endParaRPr kumimoji="1" lang="zh-CN" altLang="en-US"/>
           </a:p>
@@ -1277,7 +1510,7 @@
           <a:p>
             <a:fld id="{D7B12BEA-236C-5749-AF49-060B228B08C5}" type="datetimeFigureOut">
               <a:rPr kumimoji="1" lang="zh-CN" altLang="en-US" smtClean="0"/>
-              <a:t>17/2/22</a:t>
+              <a:t>17/2/27</a:t>
             </a:fld>
             <a:endParaRPr kumimoji="1" lang="zh-CN" altLang="en-US"/>
           </a:p>
@@ -1523,7 +1756,7 @@
           <a:p>
             <a:fld id="{D7B12BEA-236C-5749-AF49-060B228B08C5}" type="datetimeFigureOut">
               <a:rPr kumimoji="1" lang="zh-CN" altLang="en-US" smtClean="0"/>
-              <a:t>17/2/22</a:t>
+              <a:t>17/2/27</a:t>
             </a:fld>
             <a:endParaRPr kumimoji="1" lang="zh-CN" altLang="en-US"/>
           </a:p>
@@ -1811,7 +2044,7 @@
           <a:p>
             <a:fld id="{D7B12BEA-236C-5749-AF49-060B228B08C5}" type="datetimeFigureOut">
               <a:rPr kumimoji="1" lang="zh-CN" altLang="en-US" smtClean="0"/>
-              <a:t>17/2/22</a:t>
+              <a:t>17/2/27</a:t>
             </a:fld>
             <a:endParaRPr kumimoji="1" lang="zh-CN" altLang="en-US"/>
           </a:p>
@@ -2233,7 +2466,7 @@
           <a:p>
             <a:fld id="{D7B12BEA-236C-5749-AF49-060B228B08C5}" type="datetimeFigureOut">
               <a:rPr kumimoji="1" lang="zh-CN" altLang="en-US" smtClean="0"/>
-              <a:t>17/2/22</a:t>
+              <a:t>17/2/27</a:t>
             </a:fld>
             <a:endParaRPr kumimoji="1" lang="zh-CN" altLang="en-US"/>
           </a:p>
@@ -2351,7 +2584,7 @@
           <a:p>
             <a:fld id="{D7B12BEA-236C-5749-AF49-060B228B08C5}" type="datetimeFigureOut">
               <a:rPr kumimoji="1" lang="zh-CN" altLang="en-US" smtClean="0"/>
-              <a:t>17/2/22</a:t>
+              <a:t>17/2/27</a:t>
             </a:fld>
             <a:endParaRPr kumimoji="1" lang="zh-CN" altLang="en-US"/>
           </a:p>
@@ -2446,7 +2679,7 @@
           <a:p>
             <a:fld id="{D7B12BEA-236C-5749-AF49-060B228B08C5}" type="datetimeFigureOut">
               <a:rPr kumimoji="1" lang="zh-CN" altLang="en-US" smtClean="0"/>
-              <a:t>17/2/22</a:t>
+              <a:t>17/2/27</a:t>
             </a:fld>
             <a:endParaRPr kumimoji="1" lang="zh-CN" altLang="en-US"/>
           </a:p>
@@ -2723,7 +2956,7 @@
           <a:p>
             <a:fld id="{D7B12BEA-236C-5749-AF49-060B228B08C5}" type="datetimeFigureOut">
               <a:rPr kumimoji="1" lang="zh-CN" altLang="en-US" smtClean="0"/>
-              <a:t>17/2/22</a:t>
+              <a:t>17/2/27</a:t>
             </a:fld>
             <a:endParaRPr kumimoji="1" lang="zh-CN" altLang="en-US"/>
           </a:p>
@@ -2976,7 +3209,7 @@
           <a:p>
             <a:fld id="{D7B12BEA-236C-5749-AF49-060B228B08C5}" type="datetimeFigureOut">
               <a:rPr kumimoji="1" lang="zh-CN" altLang="en-US" smtClean="0"/>
-              <a:t>17/2/22</a:t>
+              <a:t>17/2/27</a:t>
             </a:fld>
             <a:endParaRPr kumimoji="1" lang="zh-CN" altLang="en-US"/>
           </a:p>
@@ -3189,7 +3422,7 @@
           <a:p>
             <a:fld id="{D7B12BEA-236C-5749-AF49-060B228B08C5}" type="datetimeFigureOut">
               <a:rPr kumimoji="1" lang="zh-CN" altLang="en-US" smtClean="0"/>
-              <a:t>17/2/22</a:t>
+              <a:t>17/2/27</a:t>
             </a:fld>
             <a:endParaRPr kumimoji="1" lang="zh-CN" altLang="en-US"/>
           </a:p>
@@ -4037,42 +4270,82 @@
           </a:p>
           <a:p>
             <a:r>
-              <a:rPr kumimoji="1" lang="zh-CN" altLang="en-US" sz="2000" dirty="0"/>
-              <a:t>清除</a:t>
-            </a:r>
-            <a:r>
               <a:rPr kumimoji="1" lang="zh-CN" altLang="en-US" sz="2000" dirty="0" smtClean="0"/>
-              <a:t>：角</a:t>
-            </a:r>
-            <a:r>
-              <a:rPr kumimoji="1" lang="zh-CN" altLang="en-US" sz="2000" dirty="0"/>
+              <a:t>重构</a:t>
+            </a:r>
+            <a:r>
+              <a:rPr kumimoji="1" lang="zh-CN" altLang="en-US" sz="2000" dirty="0" smtClean="0"/>
+              <a:t>：</a:t>
+            </a:r>
+            <a:endParaRPr kumimoji="1" lang="en-US" altLang="zh-CN" sz="2000" dirty="0" smtClean="0"/>
+          </a:p>
+          <a:p>
+            <a:pPr lvl="1"/>
+            <a:r>
+              <a:rPr kumimoji="1" lang="zh-CN" altLang="en-US" sz="1600" dirty="0" smtClean="0"/>
+              <a:t>组织</a:t>
+            </a:r>
+            <a:r>
+              <a:rPr kumimoji="1" lang="en-US" altLang="zh-CN" sz="1600" dirty="0" smtClean="0"/>
+              <a:t>&amp;</a:t>
+            </a:r>
+            <a:r>
+              <a:rPr kumimoji="1" lang="zh-CN" altLang="en-US" sz="1600" dirty="0" smtClean="0"/>
+              <a:t>用户，严格最新组织架构导入</a:t>
+            </a:r>
+            <a:endParaRPr kumimoji="1" lang="en-US" altLang="zh-CN" sz="1600" dirty="0" smtClean="0"/>
+          </a:p>
+          <a:p>
+            <a:pPr lvl="1"/>
+            <a:r>
+              <a:rPr kumimoji="1" lang="zh-CN" altLang="en-US" sz="1600" dirty="0" smtClean="0"/>
+              <a:t>岗位</a:t>
+            </a:r>
+            <a:r>
+              <a:rPr kumimoji="1" lang="zh-CN" altLang="en-US" sz="1600" dirty="0" smtClean="0"/>
+              <a:t>角</a:t>
+            </a:r>
+            <a:r>
+              <a:rPr kumimoji="1" lang="zh-CN" altLang="en-US" sz="1600" dirty="0"/>
               <a:t>色</a:t>
             </a:r>
             <a:r>
+              <a:rPr kumimoji="1" lang="zh-CN" altLang="en-US" sz="1600" dirty="0" smtClean="0"/>
+              <a:t>，严格按照组织架构里的岗位来重新创建角</a:t>
+            </a:r>
+            <a:r>
+              <a:rPr kumimoji="1" lang="zh-CN" altLang="en-US" sz="1600" dirty="0" smtClean="0"/>
+              <a:t>色</a:t>
+            </a:r>
+            <a:endParaRPr kumimoji="1" lang="en-US" altLang="zh-CN" sz="2000" dirty="0" smtClean="0"/>
+          </a:p>
+          <a:p>
+            <a:r>
               <a:rPr kumimoji="1" lang="zh-CN" altLang="en-US" sz="2000" dirty="0" smtClean="0"/>
-              <a:t>，严格按照组织架构里的岗位来重新创建角色</a:t>
+              <a:t>清</a:t>
+            </a:r>
+            <a:r>
+              <a:rPr kumimoji="1" lang="zh-CN" altLang="en-US" sz="2000" dirty="0" smtClean="0"/>
+              <a:t>理</a:t>
+            </a:r>
+            <a:r>
+              <a:rPr kumimoji="1" lang="zh-CN" altLang="en-US" sz="2000" dirty="0" smtClean="0"/>
+              <a:t>：功能菜单</a:t>
             </a:r>
             <a:endParaRPr kumimoji="1" lang="en-US" altLang="zh-CN" sz="2000" dirty="0" smtClean="0"/>
           </a:p>
           <a:p>
             <a:r>
               <a:rPr kumimoji="1" lang="zh-CN" altLang="en-US" sz="2000" dirty="0" smtClean="0"/>
-              <a:t>清理：</a:t>
-            </a:r>
-            <a:r>
-              <a:rPr kumimoji="1" lang="en-US" altLang="zh-CN" sz="2000" dirty="0" smtClean="0"/>
-              <a:t>record</a:t>
+              <a:t>清理</a:t>
             </a:r>
             <a:r>
               <a:rPr kumimoji="1" lang="zh-CN" altLang="en-US" sz="2000" dirty="0" smtClean="0"/>
-              <a:t>、用户、用户组、功能菜单</a:t>
-            </a:r>
-            <a:endParaRPr kumimoji="1" lang="en-US" altLang="zh-CN" sz="2000" dirty="0" smtClean="0"/>
-          </a:p>
-          <a:p>
+              <a:t>：</a:t>
+            </a:r>
             <a:r>
               <a:rPr kumimoji="1" lang="zh-CN" altLang="en-US" sz="2000" dirty="0" smtClean="0"/>
-              <a:t>停用并清理所有定时推送类</a:t>
+              <a:t>定时推送类</a:t>
             </a:r>
             <a:r>
               <a:rPr kumimoji="1" lang="en-US" altLang="zh-CN" sz="2000" dirty="0" smtClean="0"/>
@@ -4082,11 +4355,42 @@
           <a:p>
             <a:r>
               <a:rPr kumimoji="1" lang="zh-CN" altLang="en-US" sz="2000" dirty="0"/>
+              <a:t>迁移：录入、栏目、门户，权限重新设置</a:t>
+            </a:r>
+            <a:endParaRPr kumimoji="1" lang="en-US" altLang="zh-CN" sz="2000" dirty="0" smtClean="0"/>
+          </a:p>
+          <a:p>
+            <a:r>
+              <a:rPr kumimoji="1" lang="zh-CN" altLang="en-US" sz="2000" dirty="0"/>
               <a:t>门户改版， 加全文检索功能 </a:t>
             </a:r>
           </a:p>
         </p:txBody>
       </p:sp>
+      <p:pic>
+        <p:nvPicPr>
+          <p:cNvPr id="4" name="图片 3"/>
+          <p:cNvPicPr>
+            <a:picLocks noChangeAspect="1"/>
+          </p:cNvPicPr>
+          <p:nvPr/>
+        </p:nvPicPr>
+        <p:blipFill>
+          <a:blip r:embed="rId3"/>
+          <a:stretch>
+            <a:fillRect/>
+          </a:stretch>
+        </p:blipFill>
+        <p:spPr>
+          <a:xfrm>
+            <a:off x="6231212" y="3457392"/>
+            <a:ext cx="2933700" cy="2997200"/>
+          </a:xfrm>
+          <a:prstGeom prst="rect">
+            <a:avLst/>
+          </a:prstGeom>
+        </p:spPr>
+      </p:pic>
     </p:spTree>
     <p:extLst>
       <p:ext uri="{BB962C8B-B14F-4D97-AF65-F5344CB8AC3E}">
@@ -4189,19 +4493,19 @@
             </a:r>
             <a:r>
               <a:rPr kumimoji="1" lang="en-US" altLang="zh-CN" sz="2400" dirty="0" smtClean="0">
-                <a:hlinkClick r:id="rId2"/>
+                <a:hlinkClick r:id="rId3"/>
               </a:rPr>
               <a:t>http://10.9.45.68</a:t>
             </a:r>
             <a:r>
               <a:rPr kumimoji="1" lang="zh-CN" altLang="en-US" sz="2400" dirty="0">
-                <a:hlinkClick r:id="rId2"/>
+                <a:hlinkClick r:id="rId3"/>
               </a:rPr>
               <a:t>:</a:t>
             </a:r>
             <a:r>
               <a:rPr kumimoji="1" lang="en-US" altLang="zh-CN" sz="2400" dirty="0" smtClean="0">
-                <a:hlinkClick r:id="rId2"/>
+                <a:hlinkClick r:id="rId3"/>
               </a:rPr>
               <a:t>8080/tss  </a:t>
             </a:r>
@@ -4275,9 +4579,20 @@
           <a:p>
             <a:r>
               <a:rPr kumimoji="1" lang="zh-CN" altLang="en-US" sz="2400" dirty="0" smtClean="0"/>
-              <a:t>通知需求对接人，由对接人通知用户开始使用</a:t>
-            </a:r>
-            <a:endParaRPr kumimoji="1" lang="zh-CN" altLang="en-US" sz="2400" dirty="0"/>
+              <a:t>通知需求对接人，由对接人通知用户开始</a:t>
+            </a:r>
+            <a:r>
+              <a:rPr kumimoji="1" lang="zh-CN" altLang="en-US" sz="2400" dirty="0" smtClean="0"/>
+              <a:t>使用</a:t>
+            </a:r>
+            <a:endParaRPr kumimoji="1" lang="en-US" altLang="zh-CN" sz="2400" dirty="0" smtClean="0"/>
+          </a:p>
+          <a:p>
+            <a:r>
+              <a:rPr kumimoji="1" lang="zh-CN" altLang="en-US" sz="2400" smtClean="0"/>
+              <a:t>其它：定制开发</a:t>
+            </a:r>
+            <a:endParaRPr kumimoji="1" lang="en-US" altLang="zh-CN" sz="2400" dirty="0" smtClean="0"/>
           </a:p>
         </p:txBody>
       </p:sp>
@@ -4460,6 +4775,222 @@
     <p:extLst>
       <p:ext uri="{BB962C8B-B14F-4D97-AF65-F5344CB8AC3E}">
         <p14:creationId xmlns:p14="http://schemas.microsoft.com/office/powerpoint/2010/main" val="3320930395"/>
+      </p:ext>
+    </p:extLst>
+  </p:cSld>
+  <p:clrMapOvr>
+    <a:masterClrMapping/>
+  </p:clrMapOvr>
+  <p:timing>
+    <p:tnLst>
+      <p:par>
+        <p:cTn xmlns:p14="http://schemas.microsoft.com/office/powerpoint/2010/main" id="1" dur="indefinite" restart="never" nodeType="tmRoot"/>
+      </p:par>
+    </p:tnLst>
+  </p:timing>
+</p:sld>
+</file>
+
+<file path=ppt/slides/slide6.xml><?xml version="1.0" encoding="utf-8"?>
+<p:sld xmlns:a="http://schemas.openxmlformats.org/drawingml/2006/main" xmlns:r="http://schemas.openxmlformats.org/officeDocument/2006/relationships" xmlns:p="http://schemas.openxmlformats.org/presentationml/2006/main">
+  <p:cSld>
+    <p:spTree>
+      <p:nvGrpSpPr>
+        <p:cNvPr id="1" name=""/>
+        <p:cNvGrpSpPr/>
+        <p:nvPr/>
+      </p:nvGrpSpPr>
+      <p:grpSpPr>
+        <a:xfrm>
+          <a:off x="0" y="0"/>
+          <a:ext cx="0" cy="0"/>
+          <a:chOff x="0" y="0"/>
+          <a:chExt cx="0" cy="0"/>
+        </a:xfrm>
+      </p:grpSpPr>
+      <p:sp>
+        <p:nvSpPr>
+          <p:cNvPr id="2" name="标题 1"/>
+          <p:cNvSpPr>
+            <a:spLocks noGrp="1"/>
+          </p:cNvSpPr>
+          <p:nvPr>
+            <p:ph type="title"/>
+          </p:nvPr>
+        </p:nvSpPr>
+        <p:spPr/>
+        <p:txBody>
+          <a:bodyPr/>
+          <a:lstStyle/>
+          <a:p>
+            <a:r>
+              <a:rPr kumimoji="1" lang="zh-CN" altLang="en-US" dirty="0" smtClean="0"/>
+              <a:t>培训计划</a:t>
+            </a:r>
+            <a:endParaRPr kumimoji="1" lang="zh-CN" altLang="en-US" dirty="0"/>
+          </a:p>
+        </p:txBody>
+      </p:sp>
+      <p:sp>
+        <p:nvSpPr>
+          <p:cNvPr id="3" name="内容占位符 2"/>
+          <p:cNvSpPr>
+            <a:spLocks noGrp="1"/>
+          </p:cNvSpPr>
+          <p:nvPr>
+            <p:ph idx="1"/>
+          </p:nvPr>
+        </p:nvSpPr>
+        <p:spPr/>
+        <p:txBody>
+          <a:bodyPr>
+            <a:normAutofit/>
+          </a:bodyPr>
+          <a:lstStyle/>
+          <a:p>
+            <a:r>
+              <a:rPr kumimoji="1" lang="zh-CN" altLang="en-US" dirty="0" smtClean="0"/>
+              <a:t>基于</a:t>
+            </a:r>
+            <a:r>
+              <a:rPr kumimoji="1" lang="en-US" altLang="zh-CN" dirty="0" smtClean="0"/>
+              <a:t>TSS</a:t>
+            </a:r>
+            <a:r>
+              <a:rPr kumimoji="1" lang="zh-CN" altLang="en-US" dirty="0" smtClean="0"/>
+              <a:t>二次开发</a:t>
+            </a:r>
+            <a:r>
+              <a:rPr kumimoji="1" lang="en-US" altLang="zh-CN" dirty="0" smtClean="0"/>
+              <a:t>BI4.0</a:t>
+            </a:r>
+            <a:r>
+              <a:rPr kumimoji="1" lang="zh-CN" altLang="en-US" dirty="0" smtClean="0"/>
+              <a:t>：</a:t>
+            </a:r>
+            <a:endParaRPr kumimoji="1" lang="en-US" altLang="zh-CN" dirty="0" smtClean="0"/>
+          </a:p>
+          <a:p>
+            <a:pPr lvl="1"/>
+            <a:r>
+              <a:rPr kumimoji="1" lang="zh-CN" altLang="en-US" dirty="0" smtClean="0"/>
+              <a:t>提供报表、录入模板</a:t>
+            </a:r>
+            <a:endParaRPr kumimoji="1" lang="en-US" altLang="zh-CN" dirty="0" smtClean="0"/>
+          </a:p>
+          <a:p>
+            <a:pPr lvl="1"/>
+            <a:r>
+              <a:rPr kumimoji="1" lang="zh-CN" altLang="en-US" dirty="0" smtClean="0"/>
+              <a:t>定制开发：实战中运用</a:t>
+            </a:r>
+            <a:r>
+              <a:rPr kumimoji="1" lang="en-US" altLang="zh-CN" dirty="0" smtClean="0"/>
+              <a:t>Java</a:t>
+            </a:r>
+          </a:p>
+          <a:p>
+            <a:pPr lvl="2"/>
+            <a:r>
+              <a:rPr kumimoji="1" lang="zh-CN" altLang="en-US" sz="2000" dirty="0" smtClean="0"/>
+              <a:t>系统对接</a:t>
+            </a:r>
+            <a:r>
+              <a:rPr kumimoji="1" lang="zh-CN" altLang="en-US" sz="2000" dirty="0"/>
+              <a:t>：接口发布、数据推送、</a:t>
+            </a:r>
+            <a:r>
+              <a:rPr kumimoji="1" lang="zh-CN" altLang="en-US" sz="2000" dirty="0" smtClean="0"/>
+              <a:t>数据接收</a:t>
+            </a:r>
+            <a:endParaRPr kumimoji="1" lang="en-US" altLang="zh-CN" sz="2000" dirty="0"/>
+          </a:p>
+          <a:p>
+            <a:pPr lvl="2"/>
+            <a:r>
+              <a:rPr kumimoji="1" lang="zh-CN" altLang="en-US" sz="2000" dirty="0" smtClean="0"/>
+              <a:t>复杂运算</a:t>
+            </a:r>
+            <a:r>
+              <a:rPr kumimoji="1" lang="zh-CN" altLang="en-US" sz="2000" dirty="0"/>
+              <a:t>（赤兔）</a:t>
+            </a:r>
+            <a:r>
+              <a:rPr kumimoji="1" lang="zh-CN" altLang="en-US" sz="2000" dirty="0" smtClean="0"/>
+              <a:t>：</a:t>
+            </a:r>
+            <a:r>
+              <a:rPr kumimoji="1" lang="zh-CN" altLang="en-US" sz="2000" dirty="0"/>
+              <a:t>定时、多线程、</a:t>
+            </a:r>
+            <a:r>
+              <a:rPr kumimoji="1" lang="zh-CN" altLang="en-US" sz="2000" dirty="0" smtClean="0"/>
+              <a:t>分布式</a:t>
+            </a:r>
+            <a:endParaRPr kumimoji="1" lang="en-US" altLang="zh-CN" sz="2000" dirty="0" smtClean="0"/>
+          </a:p>
+          <a:p>
+            <a:r>
+              <a:rPr kumimoji="1" lang="zh-CN" altLang="en-US" dirty="0" smtClean="0"/>
+              <a:t>基础学习：</a:t>
+            </a:r>
+            <a:endParaRPr kumimoji="1" lang="en-US" altLang="zh-CN" dirty="0" smtClean="0"/>
+          </a:p>
+          <a:p>
+            <a:pPr lvl="1"/>
+            <a:r>
+              <a:rPr kumimoji="1" lang="en-US" altLang="zh-CN" dirty="0" smtClean="0"/>
+              <a:t>JAVA</a:t>
+            </a:r>
+            <a:r>
+              <a:rPr kumimoji="1" lang="zh-CN" altLang="en-US" dirty="0" smtClean="0"/>
+              <a:t>：</a:t>
+            </a:r>
+            <a:r>
+              <a:rPr kumimoji="1" lang="en-US" altLang="zh-CN" dirty="0" smtClean="0"/>
+              <a:t>OOP</a:t>
+            </a:r>
+            <a:r>
+              <a:rPr kumimoji="1" lang="zh-CN" altLang="en-US" dirty="0" smtClean="0"/>
+              <a:t>、数据结构、设计模式、算法</a:t>
+            </a:r>
+            <a:endParaRPr kumimoji="1" lang="en-US" altLang="zh-CN" dirty="0" smtClean="0"/>
+          </a:p>
+          <a:p>
+            <a:pPr lvl="1"/>
+            <a:r>
+              <a:rPr kumimoji="1" lang="en-US" altLang="zh-CN" dirty="0" smtClean="0"/>
+              <a:t>CSS</a:t>
+            </a:r>
+            <a:r>
+              <a:rPr kumimoji="1" lang="zh-CN" altLang="en-US" dirty="0" smtClean="0"/>
+              <a:t>：选择器、布局、渲染</a:t>
+            </a:r>
+            <a:endParaRPr kumimoji="1" lang="en-US" altLang="zh-CN" dirty="0" smtClean="0"/>
+          </a:p>
+          <a:p>
+            <a:pPr lvl="1"/>
+            <a:r>
+              <a:rPr kumimoji="1" lang="en-US" altLang="zh-CN" dirty="0" smtClean="0"/>
+              <a:t>JS</a:t>
+            </a:r>
+            <a:r>
+              <a:rPr kumimoji="1" lang="zh-CN" altLang="en-US" dirty="0" smtClean="0"/>
+              <a:t>：闭包、如何自己封装插件</a:t>
+            </a:r>
+          </a:p>
+          <a:p>
+            <a:pPr marL="457200" lvl="1" indent="0">
+              <a:buNone/>
+            </a:pPr>
+            <a:endParaRPr kumimoji="1" lang="en-US" altLang="zh-CN" dirty="0" smtClean="0"/>
+          </a:p>
+        </p:txBody>
+      </p:sp>
+    </p:spTree>
+    <p:extLst>
+      <p:ext uri="{BB962C8B-B14F-4D97-AF65-F5344CB8AC3E}">
+        <p14:creationId xmlns:p14="http://schemas.microsoft.com/office/powerpoint/2010/main" val="3730621099"/>
       </p:ext>
     </p:extLst>
   </p:cSld>
